--- a/2024-Easterhunt/Easterhunt-2024-rebus.pptx
+++ b/2024-Easterhunt/Easterhunt-2024-rebus.pptx
@@ -3766,8 +3766,8 @@
         </p:nvSpPr>
         <p:spPr>
           <a:xfrm>
-            <a:off x="2963267" y="650706"/>
-            <a:ext cx="5859379" cy="1107996"/>
+            <a:off x="985346" y="421613"/>
+            <a:ext cx="9815222" cy="1938992"/>
           </a:xfrm>
           <a:prstGeom prst="rect">
             <a:avLst/>
@@ -3789,7 +3789,7 @@
           <a:p>
             <a:pPr algn="ctr"/>
             <a:r>
-              <a:rPr lang="en-GB" sz="6600" b="1" dirty="0" err="1">
+              <a:rPr lang="en-GB" sz="6000" b="1" dirty="0" err="1">
                 <a:solidFill>
                   <a:schemeClr val="tx2">
                     <a:lumMod val="75000"/>
@@ -3801,7 +3801,7 @@
               <a:t>Løs</a:t>
             </a:r>
             <a:r>
-              <a:rPr lang="en-GB" sz="6600" b="1" dirty="0">
+              <a:rPr lang="en-GB" sz="6000" b="1" dirty="0">
                 <a:solidFill>
                   <a:schemeClr val="tx2">
                     <a:lumMod val="75000"/>
@@ -3813,7 +3813,7 @@
               <a:t> </a:t>
             </a:r>
             <a:r>
-              <a:rPr lang="en-GB" sz="6600" b="1" dirty="0" err="1">
+              <a:rPr lang="en-GB" sz="6000" b="1" dirty="0" err="1">
                 <a:solidFill>
                   <a:schemeClr val="tx2">
                     <a:lumMod val="75000"/>
@@ -3824,8 +3824,92 @@
               </a:rPr>
               <a:t>rebusen</a:t>
             </a:r>
-            <a:r>
-              <a:rPr lang="en-GB" sz="6600" b="1" dirty="0">
+            <a:endParaRPr lang="en-GB" sz="6000" b="1" dirty="0">
+              <a:solidFill>
+                <a:schemeClr val="tx2">
+                  <a:lumMod val="75000"/>
+                  <a:lumOff val="25000"/>
+                </a:schemeClr>
+              </a:solidFill>
+              <a:latin typeface="Bookman Old Style" panose="02050604050505020204" pitchFamily="18" charset="0"/>
+            </a:endParaRPr>
+          </a:p>
+          <a:p>
+            <a:pPr algn="ctr"/>
+            <a:r>
+              <a:rPr lang="en-GB" sz="6000" b="1" dirty="0">
+                <a:solidFill>
+                  <a:schemeClr val="tx2">
+                    <a:lumMod val="75000"/>
+                    <a:lumOff val="25000"/>
+                  </a:schemeClr>
+                </a:solidFill>
+                <a:latin typeface="Bookman Old Style" panose="02050604050505020204" pitchFamily="18" charset="0"/>
+              </a:rPr>
+              <a:t>og </a:t>
+            </a:r>
+            <a:r>
+              <a:rPr lang="en-GB" sz="6000" b="1" dirty="0" err="1">
+                <a:solidFill>
+                  <a:schemeClr val="tx2">
+                    <a:lumMod val="75000"/>
+                    <a:lumOff val="25000"/>
+                  </a:schemeClr>
+                </a:solidFill>
+                <a:latin typeface="Bookman Old Style" panose="02050604050505020204" pitchFamily="18" charset="0"/>
+              </a:rPr>
+              <a:t>finn</a:t>
+            </a:r>
+            <a:r>
+              <a:rPr lang="en-GB" sz="6000" b="1" dirty="0">
+                <a:solidFill>
+                  <a:schemeClr val="tx2">
+                    <a:lumMod val="75000"/>
+                    <a:lumOff val="25000"/>
+                  </a:schemeClr>
+                </a:solidFill>
+                <a:latin typeface="Bookman Old Style" panose="02050604050505020204" pitchFamily="18" charset="0"/>
+              </a:rPr>
+              <a:t> </a:t>
+            </a:r>
+            <a:r>
+              <a:rPr lang="en-GB" sz="6000" b="1" dirty="0" err="1">
+                <a:solidFill>
+                  <a:schemeClr val="tx2">
+                    <a:lumMod val="75000"/>
+                    <a:lumOff val="25000"/>
+                  </a:schemeClr>
+                </a:solidFill>
+                <a:latin typeface="Bookman Old Style" panose="02050604050505020204" pitchFamily="18" charset="0"/>
+              </a:rPr>
+              <a:t>neste</a:t>
+            </a:r>
+            <a:r>
+              <a:rPr lang="en-GB" sz="6000" b="1" dirty="0">
+                <a:solidFill>
+                  <a:schemeClr val="tx2">
+                    <a:lumMod val="75000"/>
+                    <a:lumOff val="25000"/>
+                  </a:schemeClr>
+                </a:solidFill>
+                <a:latin typeface="Bookman Old Style" panose="02050604050505020204" pitchFamily="18" charset="0"/>
+              </a:rPr>
+              <a:t> </a:t>
+            </a:r>
+            <a:r>
+              <a:rPr lang="en-GB" sz="6000" b="1" dirty="0" err="1">
+                <a:solidFill>
+                  <a:schemeClr val="tx2">
+                    <a:lumMod val="75000"/>
+                    <a:lumOff val="25000"/>
+                  </a:schemeClr>
+                </a:solidFill>
+                <a:latin typeface="Bookman Old Style" panose="02050604050505020204" pitchFamily="18" charset="0"/>
+              </a:rPr>
+              <a:t>ord</a:t>
+            </a:r>
+            <a:r>
+              <a:rPr lang="en-GB" sz="6000" b="1" dirty="0">
                 <a:solidFill>
                   <a:schemeClr val="tx2">
                     <a:lumMod val="75000"/>
@@ -3836,15 +3920,6 @@
               </a:rPr>
               <a:t>!</a:t>
             </a:r>
-            <a:endParaRPr lang="nb-NO" sz="6600" b="1" dirty="0">
-              <a:solidFill>
-                <a:schemeClr val="tx2">
-                  <a:lumMod val="75000"/>
-                  <a:lumOff val="25000"/>
-                </a:schemeClr>
-              </a:solidFill>
-              <a:latin typeface="Bookman Old Style" panose="02050604050505020204" pitchFamily="18" charset="0"/>
-            </a:endParaRPr>
           </a:p>
         </p:txBody>
       </p:sp>
@@ -3942,10 +4017,10 @@
       </p:pic>
       <p:pic>
         <p:nvPicPr>
-          <p:cNvPr id="1034" name="Picture 10" descr="Vector illustration of Cute parrot cartoon isolated on white background  Stock-vektor | Adobe Stock">
-            <a:extLst>
-              <a:ext uri="{FF2B5EF4-FFF2-40B4-BE49-F238E27FC236}">
-                <a16:creationId xmlns:a16="http://schemas.microsoft.com/office/drawing/2014/main" id="{BF7B2A8F-B2AC-309D-1E8B-8393BAE55DB2}"/>
+          <p:cNvPr id="1036" name="Picture 12" descr="Suggest Any Aircraft, We'll Draw It [Volume 2] - Infinite Flight Community">
+            <a:extLst>
+              <a:ext uri="{FF2B5EF4-FFF2-40B4-BE49-F238E27FC236}">
+                <a16:creationId xmlns:a16="http://schemas.microsoft.com/office/drawing/2014/main" id="{7E607599-3B46-43DE-8D36-AA4D06BA9BCA}"/>
               </a:ext>
             </a:extLst>
           </p:cNvPr>
@@ -3956,53 +4031,6 @@
         </p:nvPicPr>
         <p:blipFill>
           <a:blip r:embed="rId5">
-            <a:extLst>
-              <a:ext uri="{28A0092B-C50C-407E-A947-70E740481C1C}">
-                <a14:useLocalDpi xmlns:a14="http://schemas.microsoft.com/office/drawing/2010/main" val="0"/>
-              </a:ext>
-            </a:extLst>
-          </a:blip>
-          <a:srcRect/>
-          <a:stretch>
-            <a:fillRect/>
-          </a:stretch>
-        </p:blipFill>
-        <p:spPr bwMode="auto">
-          <a:xfrm>
-            <a:off x="4752513" y="3331616"/>
-            <a:ext cx="1078444" cy="1386158"/>
-          </a:xfrm>
-          <a:prstGeom prst="rect">
-            <a:avLst/>
-          </a:prstGeom>
-          <a:noFill/>
-          <a:extLst>
-            <a:ext uri="{909E8E84-426E-40DD-AFC4-6F175D3DCCD1}">
-              <a14:hiddenFill xmlns:a14="http://schemas.microsoft.com/office/drawing/2010/main">
-                <a:solidFill>
-                  <a:srgbClr val="FFFFFF"/>
-                </a:solidFill>
-              </a14:hiddenFill>
-            </a:ext>
-          </a:extLst>
-        </p:spPr>
-      </p:pic>
-      <p:pic>
-        <p:nvPicPr>
-          <p:cNvPr id="1036" name="Picture 12" descr="Suggest Any Aircraft, We'll Draw It [Volume 2] - Infinite Flight Community">
-            <a:extLst>
-              <a:ext uri="{FF2B5EF4-FFF2-40B4-BE49-F238E27FC236}">
-                <a16:creationId xmlns:a16="http://schemas.microsoft.com/office/drawing/2014/main" id="{7E607599-3B46-43DE-8D36-AA4D06BA9BCA}"/>
-              </a:ext>
-            </a:extLst>
-          </p:cNvPr>
-          <p:cNvPicPr>
-            <a:picLocks noChangeAspect="1" noChangeArrowheads="1"/>
-          </p:cNvPicPr>
-          <p:nvPr/>
-        </p:nvPicPr>
-        <p:blipFill>
-          <a:blip r:embed="rId6">
             <a:extLst>
               <a:ext uri="{28A0092B-C50C-407E-A947-70E740481C1C}">
                 <a14:useLocalDpi xmlns:a14="http://schemas.microsoft.com/office/drawing/2010/main" val="0"/>
@@ -4049,7 +4077,7 @@
           <p:nvPr/>
         </p:nvPicPr>
         <p:blipFill rotWithShape="1">
-          <a:blip r:embed="rId7">
+          <a:blip r:embed="rId6">
             <a:extLst>
               <a:ext uri="{28A0092B-C50C-407E-A947-70E740481C1C}">
                 <a14:useLocalDpi xmlns:a14="http://schemas.microsoft.com/office/drawing/2010/main" val="0"/>
@@ -4114,7 +4142,7 @@
             <p:nvPr/>
           </p:nvPicPr>
           <p:blipFill>
-            <a:blip r:embed="rId8">
+            <a:blip r:embed="rId7">
               <a:extLst>
                 <a:ext uri="{28A0092B-C50C-407E-A947-70E740481C1C}">
                   <a14:useLocalDpi xmlns:a14="http://schemas.microsoft.com/office/drawing/2010/main" val="0"/>
@@ -4214,7 +4242,7 @@
           <p:nvPr/>
         </p:nvPicPr>
         <p:blipFill>
-          <a:blip r:embed="rId9">
+          <a:blip r:embed="rId8">
             <a:extLst>
               <a:ext uri="{28A0092B-C50C-407E-A947-70E740481C1C}">
                 <a14:useLocalDpi xmlns:a14="http://schemas.microsoft.com/office/drawing/2010/main" val="0"/>
@@ -4246,6 +4274,128 @@
           </a:extLst>
         </p:spPr>
       </p:pic>
+      <p:grpSp>
+        <p:nvGrpSpPr>
+          <p:cNvPr id="3" name="Group 2">
+            <a:extLst>
+              <a:ext uri="{FF2B5EF4-FFF2-40B4-BE49-F238E27FC236}">
+                <a16:creationId xmlns:a16="http://schemas.microsoft.com/office/drawing/2014/main" id="{C3B7A7F4-C5E1-E9B3-265B-C695B7AEC248}"/>
+              </a:ext>
+            </a:extLst>
+          </p:cNvPr>
+          <p:cNvGrpSpPr/>
+          <p:nvPr/>
+        </p:nvGrpSpPr>
+        <p:grpSpPr>
+          <a:xfrm>
+            <a:off x="4672255" y="3331616"/>
+            <a:ext cx="1158702" cy="1386158"/>
+            <a:chOff x="4672255" y="3331616"/>
+            <a:chExt cx="1158702" cy="1386158"/>
+          </a:xfrm>
+        </p:grpSpPr>
+        <p:pic>
+          <p:nvPicPr>
+            <p:cNvPr id="1034" name="Picture 10" descr="Vector illustration of Cute parrot cartoon isolated on white background  Stock-vektor | Adobe Stock">
+              <a:extLst>
+                <a:ext uri="{FF2B5EF4-FFF2-40B4-BE49-F238E27FC236}">
+                  <a16:creationId xmlns:a16="http://schemas.microsoft.com/office/drawing/2014/main" id="{BF7B2A8F-B2AC-309D-1E8B-8393BAE55DB2}"/>
+                </a:ext>
+              </a:extLst>
+            </p:cNvPr>
+            <p:cNvPicPr>
+              <a:picLocks noChangeAspect="1" noChangeArrowheads="1"/>
+            </p:cNvPicPr>
+            <p:nvPr/>
+          </p:nvPicPr>
+          <p:blipFill>
+            <a:blip r:embed="rId9">
+              <a:extLst>
+                <a:ext uri="{28A0092B-C50C-407E-A947-70E740481C1C}">
+                  <a14:useLocalDpi xmlns:a14="http://schemas.microsoft.com/office/drawing/2010/main" val="0"/>
+                </a:ext>
+              </a:extLst>
+            </a:blip>
+            <a:srcRect/>
+            <a:stretch>
+              <a:fillRect/>
+            </a:stretch>
+          </p:blipFill>
+          <p:spPr bwMode="auto">
+            <a:xfrm>
+              <a:off x="4752513" y="3331616"/>
+              <a:ext cx="1078444" cy="1386158"/>
+            </a:xfrm>
+            <a:prstGeom prst="rect">
+              <a:avLst/>
+            </a:prstGeom>
+            <a:noFill/>
+            <a:extLst>
+              <a:ext uri="{909E8E84-426E-40DD-AFC4-6F175D3DCCD1}">
+                <a14:hiddenFill xmlns:a14="http://schemas.microsoft.com/office/drawing/2010/main">
+                  <a:solidFill>
+                    <a:srgbClr val="FFFFFF"/>
+                  </a:solidFill>
+                </a14:hiddenFill>
+              </a:ext>
+            </a:extLst>
+          </p:spPr>
+        </p:pic>
+        <p:sp>
+          <p:nvSpPr>
+            <p:cNvPr id="2" name="Rectangle 1">
+              <a:extLst>
+                <a:ext uri="{FF2B5EF4-FFF2-40B4-BE49-F238E27FC236}">
+                  <a16:creationId xmlns:a16="http://schemas.microsoft.com/office/drawing/2014/main" id="{9113627D-365A-772B-63E5-944D6AC79EB6}"/>
+                </a:ext>
+              </a:extLst>
+            </p:cNvPr>
+            <p:cNvSpPr/>
+            <p:nvPr/>
+          </p:nvSpPr>
+          <p:spPr>
+            <a:xfrm>
+              <a:off x="4672255" y="4376101"/>
+              <a:ext cx="148313" cy="304800"/>
+            </a:xfrm>
+            <a:prstGeom prst="rect">
+              <a:avLst/>
+            </a:prstGeom>
+            <a:solidFill>
+              <a:schemeClr val="bg1"/>
+            </a:solidFill>
+            <a:ln>
+              <a:solidFill>
+                <a:schemeClr val="bg1"/>
+              </a:solidFill>
+            </a:ln>
+          </p:spPr>
+          <p:style>
+            <a:lnRef idx="2">
+              <a:schemeClr val="accent1">
+                <a:shade val="15000"/>
+              </a:schemeClr>
+            </a:lnRef>
+            <a:fillRef idx="1">
+              <a:schemeClr val="accent1"/>
+            </a:fillRef>
+            <a:effectRef idx="0">
+              <a:schemeClr val="accent1"/>
+            </a:effectRef>
+            <a:fontRef idx="minor">
+              <a:schemeClr val="lt1"/>
+            </a:fontRef>
+          </p:style>
+          <p:txBody>
+            <a:bodyPr rtlCol="0" anchor="ctr"/>
+            <a:lstStyle/>
+            <a:p>
+              <a:pPr algn="ctr"/>
+              <a:endParaRPr lang="nb-NO"/>
+            </a:p>
+          </p:txBody>
+        </p:sp>
+      </p:grpSp>
     </p:spTree>
     <p:extLst>
       <p:ext uri="{BB962C8B-B14F-4D97-AF65-F5344CB8AC3E}">
